--- a/PHONE OBSESSION DETECTOR.pptx
+++ b/PHONE OBSESSION DETECTOR.pptx
@@ -1,18 +1,18 @@
 
 <file path=ppt/presentation.xml><?xml version="1.0" encoding="utf-8"?>
-<p:presentation xmlns:a="http://schemas.openxmlformats.org/drawingml/2006/main" xmlns:r="http://schemas.openxmlformats.org/officeDocument/2006/relationships" xmlns:p="http://schemas.openxmlformats.org/presentationml/2006/main" saveSubsetFonts="1">
+<p:presentation xmlns:a="http://schemas.openxmlformats.org/drawingml/2006/main" xmlns:r="http://schemas.openxmlformats.org/officeDocument/2006/relationships" xmlns:p="http://schemas.openxmlformats.org/presentationml/2006/main">
   <p:sldMasterIdLst>
-    <p:sldMasterId id="2147483684" r:id="rId1"/>
+    <p:sldMasterId id="2147483648" r:id="rId1"/>
   </p:sldMasterIdLst>
   <p:sldIdLst>
-    <p:sldId id="256" r:id="rId2"/>
-    <p:sldId id="257" r:id="rId3"/>
-    <p:sldId id="258" r:id="rId4"/>
-    <p:sldId id="259" r:id="rId5"/>
-    <p:sldId id="261" r:id="rId6"/>
-    <p:sldId id="263" r:id="rId7"/>
-    <p:sldId id="264" r:id="rId8"/>
-    <p:sldId id="262" r:id="rId9"/>
+    <p:sldId id="256" r:id="rId3"/>
+    <p:sldId id="257" r:id="rId4"/>
+    <p:sldId id="258" r:id="rId5"/>
+    <p:sldId id="259" r:id="rId6"/>
+    <p:sldId id="261" r:id="rId7"/>
+    <p:sldId id="263" r:id="rId8"/>
+    <p:sldId id="264" r:id="rId9"/>
+    <p:sldId id="262" r:id="rId10"/>
   </p:sldIdLst>
   <p:sldSz cx="9144000" cy="6858000" type="screen4x3"/>
   <p:notesSz cx="6858000" cy="9144000"/>
@@ -153,7 +153,6 @@
             <a:lvl1pPr algn="l">
               <a:defRPr/>
             </a:lvl1pPr>
-            <a:extLst/>
           </a:lstStyle>
           <a:p>
             <a:r>
@@ -183,7 +182,7 @@
         <p:txBody>
           <a:bodyPr tIns="0"/>
           <a:lstStyle>
-            <a:lvl1pPr marL="27432" indent="0" algn="l">
+            <a:lvl1pPr marL="27305" indent="0" algn="l">
               <a:buNone/>
               <a:defRPr sz="2600">
                 <a:solidFill>
@@ -218,7 +217,6 @@
             <a:lvl9pPr marL="3657600" indent="0" algn="ctr">
               <a:buNone/>
             </a:lvl9pPr>
-            <a:extLst/>
           </a:lstStyle>
           <a:p>
             <a:r>
@@ -242,14 +240,10 @@
         <p:spPr/>
         <p:txBody>
           <a:bodyPr/>
-          <a:lstStyle>
-            <a:extLst/>
-          </a:lstStyle>
+          <a:lstStyle/>
           <a:p>
             <a:fld id="{3E92798F-69E8-4DE6-AD3D-DA2B38E78241}" type="datetimeFigureOut">
               <a:rPr lang="en-US" smtClean="0"/>
-              <a:pPr/>
-              <a:t>4/26/2019</a:t>
             </a:fld>
             <a:endParaRPr lang="en-US"/>
           </a:p>
@@ -268,9 +262,7 @@
         <p:spPr/>
         <p:txBody>
           <a:bodyPr/>
-          <a:lstStyle>
-            <a:extLst/>
-          </a:lstStyle>
+          <a:lstStyle/>
           <a:p>
             <a:endParaRPr lang="en-US"/>
           </a:p>
@@ -289,14 +281,10 @@
         <p:spPr/>
         <p:txBody>
           <a:bodyPr/>
-          <a:lstStyle>
-            <a:extLst/>
-          </a:lstStyle>
+          <a:lstStyle/>
           <a:p>
             <a:fld id="{E63D35E4-4811-4F46-86C5-2E9DEA0EB7D5}" type="slidenum">
               <a:rPr lang="en-US" smtClean="0"/>
-              <a:pPr/>
-              <a:t>‹#›</a:t>
             </a:fld>
             <a:endParaRPr lang="en-US"/>
           </a:p>
@@ -380,9 +368,7 @@
         </p:style>
         <p:txBody>
           <a:bodyPr anchor="ctr"/>
-          <a:lstStyle>
-            <a:extLst/>
-          </a:lstStyle>
+          <a:lstStyle/>
           <a:p>
             <a:pPr algn="ctr" eaLnBrk="1" latinLnBrk="0" hangingPunct="1"/>
             <a:endParaRPr kumimoji="0" lang="en-US"/>
@@ -431,9 +417,7 @@
         </p:style>
         <p:txBody>
           <a:bodyPr anchor="ctr"/>
-          <a:lstStyle>
-            <a:extLst/>
-          </a:lstStyle>
+          <a:lstStyle/>
           <a:p>
             <a:pPr algn="ctr" eaLnBrk="1" latinLnBrk="0" hangingPunct="1"/>
             <a:endParaRPr kumimoji="0" lang="en-US"/>
@@ -478,9 +462,7 @@
         <p:spPr/>
         <p:txBody>
           <a:bodyPr/>
-          <a:lstStyle>
-            <a:extLst/>
-          </a:lstStyle>
+          <a:lstStyle/>
           <a:p>
             <a:r>
               <a:rPr kumimoji="0" lang="en-US" smtClean="0"/>
@@ -503,15 +485,14 @@
         <p:spPr/>
         <p:txBody>
           <a:bodyPr vert="eaVert"/>
-          <a:lstStyle>
-            <a:extLst/>
-          </a:lstStyle>
+          <a:lstStyle/>
           <a:p>
             <a:pPr lvl="0" eaLnBrk="1" latinLnBrk="0" hangingPunct="1"/>
             <a:r>
               <a:rPr lang="en-US" smtClean="0"/>
               <a:t>Click to edit Master text styles</a:t>
             </a:r>
+            <a:endParaRPr lang="en-US" smtClean="0"/>
           </a:p>
           <a:p>
             <a:pPr lvl="1" eaLnBrk="1" latinLnBrk="0" hangingPunct="1"/>
@@ -519,6 +500,7 @@
               <a:rPr lang="en-US" smtClean="0"/>
               <a:t>Second level</a:t>
             </a:r>
+            <a:endParaRPr lang="en-US" smtClean="0"/>
           </a:p>
           <a:p>
             <a:pPr lvl="2" eaLnBrk="1" latinLnBrk="0" hangingPunct="1"/>
@@ -526,6 +508,7 @@
               <a:rPr lang="en-US" smtClean="0"/>
               <a:t>Third level</a:t>
             </a:r>
+            <a:endParaRPr lang="en-US" smtClean="0"/>
           </a:p>
           <a:p>
             <a:pPr lvl="3" eaLnBrk="1" latinLnBrk="0" hangingPunct="1"/>
@@ -533,6 +516,7 @@
               <a:rPr lang="en-US" smtClean="0"/>
               <a:t>Fourth level</a:t>
             </a:r>
+            <a:endParaRPr lang="en-US" smtClean="0"/>
           </a:p>
           <a:p>
             <a:pPr lvl="4" eaLnBrk="1" latinLnBrk="0" hangingPunct="1"/>
@@ -557,14 +541,10 @@
         <p:spPr/>
         <p:txBody>
           <a:bodyPr/>
-          <a:lstStyle>
-            <a:extLst/>
-          </a:lstStyle>
+          <a:lstStyle/>
           <a:p>
             <a:fld id="{3E92798F-69E8-4DE6-AD3D-DA2B38E78241}" type="datetimeFigureOut">
               <a:rPr lang="en-US" smtClean="0"/>
-              <a:pPr/>
-              <a:t>4/26/2019</a:t>
             </a:fld>
             <a:endParaRPr lang="en-US"/>
           </a:p>
@@ -583,9 +563,7 @@
         <p:spPr/>
         <p:txBody>
           <a:bodyPr/>
-          <a:lstStyle>
-            <a:extLst/>
-          </a:lstStyle>
+          <a:lstStyle/>
           <a:p>
             <a:endParaRPr lang="en-US"/>
           </a:p>
@@ -604,14 +582,10 @@
         <p:spPr/>
         <p:txBody>
           <a:bodyPr/>
-          <a:lstStyle>
-            <a:extLst/>
-          </a:lstStyle>
+          <a:lstStyle/>
           <a:p>
             <a:fld id="{E63D35E4-4811-4F46-86C5-2E9DEA0EB7D5}" type="slidenum">
               <a:rPr lang="en-US" smtClean="0"/>
-              <a:pPr/>
-              <a:t>‹#›</a:t>
             </a:fld>
             <a:endParaRPr lang="en-US"/>
           </a:p>
@@ -660,9 +634,7 @@
         </p:spPr>
         <p:txBody>
           <a:bodyPr vert="eaVert"/>
-          <a:lstStyle>
-            <a:extLst/>
-          </a:lstStyle>
+          <a:lstStyle/>
           <a:p>
             <a:r>
               <a:rPr kumimoji="0" lang="en-US" smtClean="0"/>
@@ -690,15 +662,14 @@
         </p:spPr>
         <p:txBody>
           <a:bodyPr vert="eaVert"/>
-          <a:lstStyle>
-            <a:extLst/>
-          </a:lstStyle>
+          <a:lstStyle/>
           <a:p>
             <a:pPr lvl="0" eaLnBrk="1" latinLnBrk="0" hangingPunct="1"/>
             <a:r>
               <a:rPr lang="en-US" smtClean="0"/>
               <a:t>Click to edit Master text styles</a:t>
             </a:r>
+            <a:endParaRPr lang="en-US" smtClean="0"/>
           </a:p>
           <a:p>
             <a:pPr lvl="1" eaLnBrk="1" latinLnBrk="0" hangingPunct="1"/>
@@ -706,6 +677,7 @@
               <a:rPr lang="en-US" smtClean="0"/>
               <a:t>Second level</a:t>
             </a:r>
+            <a:endParaRPr lang="en-US" smtClean="0"/>
           </a:p>
           <a:p>
             <a:pPr lvl="2" eaLnBrk="1" latinLnBrk="0" hangingPunct="1"/>
@@ -713,6 +685,7 @@
               <a:rPr lang="en-US" smtClean="0"/>
               <a:t>Third level</a:t>
             </a:r>
+            <a:endParaRPr lang="en-US" smtClean="0"/>
           </a:p>
           <a:p>
             <a:pPr lvl="3" eaLnBrk="1" latinLnBrk="0" hangingPunct="1"/>
@@ -720,6 +693,7 @@
               <a:rPr lang="en-US" smtClean="0"/>
               <a:t>Fourth level</a:t>
             </a:r>
+            <a:endParaRPr lang="en-US" smtClean="0"/>
           </a:p>
           <a:p>
             <a:pPr lvl="4" eaLnBrk="1" latinLnBrk="0" hangingPunct="1"/>
@@ -744,14 +718,10 @@
         <p:spPr/>
         <p:txBody>
           <a:bodyPr/>
-          <a:lstStyle>
-            <a:extLst/>
-          </a:lstStyle>
+          <a:lstStyle/>
           <a:p>
             <a:fld id="{3E92798F-69E8-4DE6-AD3D-DA2B38E78241}" type="datetimeFigureOut">
               <a:rPr lang="en-US" smtClean="0"/>
-              <a:pPr/>
-              <a:t>4/26/2019</a:t>
             </a:fld>
             <a:endParaRPr lang="en-US"/>
           </a:p>
@@ -770,9 +740,7 @@
         <p:spPr/>
         <p:txBody>
           <a:bodyPr/>
-          <a:lstStyle>
-            <a:extLst/>
-          </a:lstStyle>
+          <a:lstStyle/>
           <a:p>
             <a:endParaRPr lang="en-US"/>
           </a:p>
@@ -791,14 +759,10 @@
         <p:spPr/>
         <p:txBody>
           <a:bodyPr/>
-          <a:lstStyle>
-            <a:extLst/>
-          </a:lstStyle>
+          <a:lstStyle/>
           <a:p>
             <a:fld id="{E63D35E4-4811-4F46-86C5-2E9DEA0EB7D5}" type="slidenum">
               <a:rPr lang="en-US" smtClean="0"/>
-              <a:pPr/>
-              <a:t>‹#›</a:t>
             </a:fld>
             <a:endParaRPr lang="en-US"/>
           </a:p>
@@ -842,9 +806,7 @@
         <p:spPr/>
         <p:txBody>
           <a:bodyPr/>
-          <a:lstStyle>
-            <a:extLst/>
-          </a:lstStyle>
+          <a:lstStyle/>
           <a:p>
             <a:r>
               <a:rPr kumimoji="0" lang="en-US" smtClean="0"/>
@@ -867,15 +829,14 @@
         <p:spPr/>
         <p:txBody>
           <a:bodyPr/>
-          <a:lstStyle>
-            <a:extLst/>
-          </a:lstStyle>
+          <a:lstStyle/>
           <a:p>
             <a:pPr lvl="0" eaLnBrk="1" latinLnBrk="0" hangingPunct="1"/>
             <a:r>
               <a:rPr lang="en-US" smtClean="0"/>
               <a:t>Click to edit Master text styles</a:t>
             </a:r>
+            <a:endParaRPr lang="en-US" smtClean="0"/>
           </a:p>
           <a:p>
             <a:pPr lvl="1" eaLnBrk="1" latinLnBrk="0" hangingPunct="1"/>
@@ -883,6 +844,7 @@
               <a:rPr lang="en-US" smtClean="0"/>
               <a:t>Second level</a:t>
             </a:r>
+            <a:endParaRPr lang="en-US" smtClean="0"/>
           </a:p>
           <a:p>
             <a:pPr lvl="2" eaLnBrk="1" latinLnBrk="0" hangingPunct="1"/>
@@ -890,6 +852,7 @@
               <a:rPr lang="en-US" smtClean="0"/>
               <a:t>Third level</a:t>
             </a:r>
+            <a:endParaRPr lang="en-US" smtClean="0"/>
           </a:p>
           <a:p>
             <a:pPr lvl="3" eaLnBrk="1" latinLnBrk="0" hangingPunct="1"/>
@@ -897,6 +860,7 @@
               <a:rPr lang="en-US" smtClean="0"/>
               <a:t>Fourth level</a:t>
             </a:r>
+            <a:endParaRPr lang="en-US" smtClean="0"/>
           </a:p>
           <a:p>
             <a:pPr lvl="4" eaLnBrk="1" latinLnBrk="0" hangingPunct="1"/>
@@ -921,14 +885,10 @@
         <p:spPr/>
         <p:txBody>
           <a:bodyPr/>
-          <a:lstStyle>
-            <a:extLst/>
-          </a:lstStyle>
+          <a:lstStyle/>
           <a:p>
             <a:fld id="{3E92798F-69E8-4DE6-AD3D-DA2B38E78241}" type="datetimeFigureOut">
               <a:rPr lang="en-US" smtClean="0"/>
-              <a:pPr/>
-              <a:t>4/26/2019</a:t>
             </a:fld>
             <a:endParaRPr lang="en-US"/>
           </a:p>
@@ -947,9 +907,7 @@
         <p:spPr/>
         <p:txBody>
           <a:bodyPr/>
-          <a:lstStyle>
-            <a:extLst/>
-          </a:lstStyle>
+          <a:lstStyle/>
           <a:p>
             <a:endParaRPr lang="en-US"/>
           </a:p>
@@ -968,14 +926,10 @@
         <p:spPr/>
         <p:txBody>
           <a:bodyPr/>
-          <a:lstStyle>
-            <a:extLst/>
-          </a:lstStyle>
+          <a:lstStyle/>
           <a:p>
             <a:fld id="{E63D35E4-4811-4F46-86C5-2E9DEA0EB7D5}" type="slidenum">
               <a:rPr lang="en-US" smtClean="0"/>
-              <a:pPr/>
-              <a:t>‹#›</a:t>
             </a:fld>
             <a:endParaRPr lang="en-US"/>
           </a:p>
@@ -990,7 +944,7 @@
 </file>
 
 <file path=ppt/slideLayouts/slideLayout3.xml><?xml version="1.0" encoding="utf-8"?>
-<p:sldLayout xmlns:a="http://schemas.openxmlformats.org/drawingml/2006/main" xmlns:r="http://schemas.openxmlformats.org/officeDocument/2006/relationships" xmlns:p="http://schemas.openxmlformats.org/presentationml/2006/main" showMasterSp="0" type="secHead" preserve="1">
+<p:sldLayout xmlns:a="http://schemas.openxmlformats.org/drawingml/2006/main" xmlns:r="http://schemas.openxmlformats.org/officeDocument/2006/relationships" xmlns:p="http://schemas.openxmlformats.org/presentationml/2006/main" type="secHead" preserve="1" showMasterSp="0">
   <p:cSld name="Section Header">
     <p:spTree>
       <p:nvGrpSpPr>
@@ -1045,9 +999,7 @@
         </p:style>
         <p:txBody>
           <a:bodyPr anchor="ctr"/>
-          <a:lstStyle>
-            <a:extLst/>
-          </a:lstStyle>
+          <a:lstStyle/>
           <a:p>
             <a:pPr algn="ctr" eaLnBrk="1" latinLnBrk="0" hangingPunct="1"/>
             <a:endParaRPr kumimoji="0" lang="en-US"/>
@@ -1080,7 +1032,6 @@
               <a:buNone/>
               <a:defRPr sz="4000" b="1" cap="all"/>
             </a:lvl1pPr>
-            <a:extLst/>
           </a:lstStyle>
           <a:p>
             <a:r>
@@ -1110,7 +1061,7 @@
         <p:txBody>
           <a:bodyPr anchor="b"/>
           <a:lstStyle>
-            <a:lvl1pPr marL="18288" indent="0">
+            <a:lvl1pPr marL="18415" indent="0">
               <a:lnSpc>
                 <a:spcPts val="2300"/>
               </a:lnSpc>
@@ -1167,7 +1118,6 @@
                 </a:solidFill>
               </a:defRPr>
             </a:lvl5pPr>
-            <a:extLst/>
           </a:lstStyle>
           <a:p>
             <a:pPr lvl="0" eaLnBrk="1" latinLnBrk="0" hangingPunct="1"/>
@@ -1175,6 +1125,7 @@
               <a:rPr kumimoji="0" lang="en-US" smtClean="0"/>
               <a:t>Click to edit Master text styles</a:t>
             </a:r>
+            <a:endParaRPr kumimoji="0" lang="en-US" smtClean="0"/>
           </a:p>
         </p:txBody>
       </p:sp>
@@ -1191,14 +1142,10 @@
         <p:spPr/>
         <p:txBody>
           <a:bodyPr/>
-          <a:lstStyle>
-            <a:extLst/>
-          </a:lstStyle>
+          <a:lstStyle/>
           <a:p>
             <a:fld id="{3E92798F-69E8-4DE6-AD3D-DA2B38E78241}" type="datetimeFigureOut">
               <a:rPr lang="en-US" smtClean="0"/>
-              <a:pPr/>
-              <a:t>4/26/2019</a:t>
             </a:fld>
             <a:endParaRPr lang="en-US"/>
           </a:p>
@@ -1217,9 +1164,7 @@
         <p:spPr/>
         <p:txBody>
           <a:bodyPr/>
-          <a:lstStyle>
-            <a:extLst/>
-          </a:lstStyle>
+          <a:lstStyle/>
           <a:p>
             <a:endParaRPr lang="en-US"/>
           </a:p>
@@ -1238,14 +1183,10 @@
         <p:spPr/>
         <p:txBody>
           <a:bodyPr/>
-          <a:lstStyle>
-            <a:extLst/>
-          </a:lstStyle>
+          <a:lstStyle/>
           <a:p>
             <a:fld id="{E63D35E4-4811-4F46-86C5-2E9DEA0EB7D5}" type="slidenum">
               <a:rPr lang="en-US" smtClean="0"/>
-              <a:pPr/>
-              <a:t>‹#›</a:t>
             </a:fld>
             <a:endParaRPr lang="en-US"/>
           </a:p>
@@ -1298,9 +1239,7 @@
         </p:style>
         <p:txBody>
           <a:bodyPr anchor="ctr"/>
-          <a:lstStyle>
-            <a:extLst/>
-          </a:lstStyle>
+          <a:lstStyle/>
           <a:p>
             <a:pPr algn="ctr" eaLnBrk="1" latinLnBrk="0" hangingPunct="1"/>
             <a:endParaRPr kumimoji="0" lang="en-US"/>
@@ -1385,9 +1324,7 @@
         </p:style>
         <p:txBody>
           <a:bodyPr anchor="ctr"/>
-          <a:lstStyle>
-            <a:extLst/>
-          </a:lstStyle>
+          <a:lstStyle/>
           <a:p>
             <a:pPr algn="ctr" eaLnBrk="1" latinLnBrk="0" hangingPunct="1"/>
             <a:endParaRPr kumimoji="0" lang="en-US"/>
@@ -1436,9 +1373,7 @@
         </p:style>
         <p:txBody>
           <a:bodyPr anchor="ctr"/>
-          <a:lstStyle>
-            <a:extLst/>
-          </a:lstStyle>
+          <a:lstStyle/>
           <a:p>
             <a:pPr algn="ctr" eaLnBrk="1" latinLnBrk="0" hangingPunct="1"/>
             <a:endParaRPr kumimoji="0" lang="en-US"/>
@@ -1488,9 +1423,7 @@
         </p:spPr>
         <p:txBody>
           <a:bodyPr/>
-          <a:lstStyle>
-            <a:extLst/>
-          </a:lstStyle>
+          <a:lstStyle/>
           <a:p>
             <a:r>
               <a:rPr kumimoji="0" lang="en-US" smtClean="0"/>
@@ -1534,7 +1467,6 @@
             <a:lvl5pPr>
               <a:defRPr sz="1800"/>
             </a:lvl5pPr>
-            <a:extLst/>
           </a:lstStyle>
           <a:p>
             <a:pPr lvl="0" eaLnBrk="1" latinLnBrk="0" hangingPunct="1"/>
@@ -1542,6 +1474,7 @@
               <a:rPr lang="en-US" smtClean="0"/>
               <a:t>Click to edit Master text styles</a:t>
             </a:r>
+            <a:endParaRPr lang="en-US" smtClean="0"/>
           </a:p>
           <a:p>
             <a:pPr lvl="1" eaLnBrk="1" latinLnBrk="0" hangingPunct="1"/>
@@ -1549,6 +1482,7 @@
               <a:rPr lang="en-US" smtClean="0"/>
               <a:t>Second level</a:t>
             </a:r>
+            <a:endParaRPr lang="en-US" smtClean="0"/>
           </a:p>
           <a:p>
             <a:pPr lvl="2" eaLnBrk="1" latinLnBrk="0" hangingPunct="1"/>
@@ -1556,6 +1490,7 @@
               <a:rPr lang="en-US" smtClean="0"/>
               <a:t>Third level</a:t>
             </a:r>
+            <a:endParaRPr lang="en-US" smtClean="0"/>
           </a:p>
           <a:p>
             <a:pPr lvl="3" eaLnBrk="1" latinLnBrk="0" hangingPunct="1"/>
@@ -1563,6 +1498,7 @@
               <a:rPr lang="en-US" smtClean="0"/>
               <a:t>Fourth level</a:t>
             </a:r>
+            <a:endParaRPr lang="en-US" smtClean="0"/>
           </a:p>
           <a:p>
             <a:pPr lvl="4" eaLnBrk="1" latinLnBrk="0" hangingPunct="1"/>
@@ -1608,7 +1544,6 @@
             <a:lvl5pPr>
               <a:defRPr sz="1800"/>
             </a:lvl5pPr>
-            <a:extLst/>
           </a:lstStyle>
           <a:p>
             <a:pPr lvl="0" eaLnBrk="1" latinLnBrk="0" hangingPunct="1"/>
@@ -1616,6 +1551,7 @@
               <a:rPr lang="en-US" smtClean="0"/>
               <a:t>Click to edit Master text styles</a:t>
             </a:r>
+            <a:endParaRPr lang="en-US" smtClean="0"/>
           </a:p>
           <a:p>
             <a:pPr lvl="1" eaLnBrk="1" latinLnBrk="0" hangingPunct="1"/>
@@ -1623,6 +1559,7 @@
               <a:rPr lang="en-US" smtClean="0"/>
               <a:t>Second level</a:t>
             </a:r>
+            <a:endParaRPr lang="en-US" smtClean="0"/>
           </a:p>
           <a:p>
             <a:pPr lvl="2" eaLnBrk="1" latinLnBrk="0" hangingPunct="1"/>
@@ -1630,6 +1567,7 @@
               <a:rPr lang="en-US" smtClean="0"/>
               <a:t>Third level</a:t>
             </a:r>
+            <a:endParaRPr lang="en-US" smtClean="0"/>
           </a:p>
           <a:p>
             <a:pPr lvl="3" eaLnBrk="1" latinLnBrk="0" hangingPunct="1"/>
@@ -1637,6 +1575,7 @@
               <a:rPr lang="en-US" smtClean="0"/>
               <a:t>Fourth level</a:t>
             </a:r>
+            <a:endParaRPr lang="en-US" smtClean="0"/>
           </a:p>
           <a:p>
             <a:pPr lvl="4" eaLnBrk="1" latinLnBrk="0" hangingPunct="1"/>
@@ -1661,14 +1600,10 @@
         <p:spPr/>
         <p:txBody>
           <a:bodyPr/>
-          <a:lstStyle>
-            <a:extLst/>
-          </a:lstStyle>
+          <a:lstStyle/>
           <a:p>
             <a:fld id="{3E92798F-69E8-4DE6-AD3D-DA2B38E78241}" type="datetimeFigureOut">
               <a:rPr lang="en-US" smtClean="0"/>
-              <a:pPr/>
-              <a:t>4/26/2019</a:t>
             </a:fld>
             <a:endParaRPr lang="en-US"/>
           </a:p>
@@ -1687,9 +1622,7 @@
         <p:spPr/>
         <p:txBody>
           <a:bodyPr/>
-          <a:lstStyle>
-            <a:extLst/>
-          </a:lstStyle>
+          <a:lstStyle/>
           <a:p>
             <a:endParaRPr lang="en-US"/>
           </a:p>
@@ -1708,14 +1641,10 @@
         <p:spPr/>
         <p:txBody>
           <a:bodyPr/>
-          <a:lstStyle>
-            <a:extLst/>
-          </a:lstStyle>
+          <a:lstStyle/>
           <a:p>
             <a:fld id="{E63D35E4-4811-4F46-86C5-2E9DEA0EB7D5}" type="slidenum">
               <a:rPr lang="en-US" smtClean="0"/>
-              <a:pPr/>
-              <a:t>‹#›</a:t>
             </a:fld>
             <a:endParaRPr lang="en-US"/>
           </a:p>
@@ -1730,7 +1659,7 @@
 </file>
 
 <file path=ppt/slideLayouts/slideLayout5.xml><?xml version="1.0" encoding="utf-8"?>
-<p:sldLayout xmlns:a="http://schemas.openxmlformats.org/drawingml/2006/main" xmlns:r="http://schemas.openxmlformats.org/officeDocument/2006/relationships" xmlns:p="http://schemas.openxmlformats.org/presentationml/2006/main" showMasterSp="0" type="twoTxTwoObj" preserve="1">
+<p:sldLayout xmlns:a="http://schemas.openxmlformats.org/drawingml/2006/main" xmlns:r="http://schemas.openxmlformats.org/officeDocument/2006/relationships" xmlns:p="http://schemas.openxmlformats.org/presentationml/2006/main" type="twoTxTwoObj" preserve="1" showMasterSp="0">
   <p:cSld name="Comparison">
     <p:spTree>
       <p:nvGrpSpPr>
@@ -1768,7 +1697,6 @@
             <a:lvl1pPr algn="ctr">
               <a:defRPr sz="4500" b="1" cap="none" baseline="0"/>
             </a:lvl1pPr>
-            <a:extLst/>
           </a:lstStyle>
           <a:p>
             <a:r>
@@ -1807,7 +1735,7 @@
         <p:txBody>
           <a:bodyPr anchor="ctr"/>
           <a:lstStyle>
-            <a:lvl1pPr marL="64008" indent="0" algn="l">
+            <a:lvl1pPr marL="64135" indent="0" algn="l">
               <a:lnSpc>
                 <a:spcPct val="100000"/>
               </a:lnSpc>
@@ -1837,7 +1765,6 @@
               <a:buNone/>
               <a:defRPr sz="1600" b="1"/>
             </a:lvl5pPr>
-            <a:extLst/>
           </a:lstStyle>
           <a:p>
             <a:pPr lvl="0" eaLnBrk="1" latinLnBrk="0" hangingPunct="1"/>
@@ -1845,6 +1772,7 @@
               <a:rPr kumimoji="0" lang="en-US" smtClean="0"/>
               <a:t>Click to edit Master text styles</a:t>
             </a:r>
+            <a:endParaRPr kumimoji="0" lang="en-US" smtClean="0"/>
           </a:p>
         </p:txBody>
       </p:sp>
@@ -1876,7 +1804,7 @@
         <p:txBody>
           <a:bodyPr anchor="ctr"/>
           <a:lstStyle>
-            <a:lvl1pPr marL="64008" indent="0" algn="l">
+            <a:lvl1pPr marL="64135" indent="0" algn="l">
               <a:lnSpc>
                 <a:spcPct val="100000"/>
               </a:lnSpc>
@@ -1906,7 +1834,6 @@
               <a:buNone/>
               <a:defRPr sz="1600" b="1"/>
             </a:lvl5pPr>
-            <a:extLst/>
           </a:lstStyle>
           <a:p>
             <a:pPr lvl="0" eaLnBrk="1" latinLnBrk="0" hangingPunct="1"/>
@@ -1914,6 +1841,7 @@
               <a:rPr kumimoji="0" lang="en-US" smtClean="0"/>
               <a:t>Click to edit Master text styles</a:t>
             </a:r>
+            <a:endParaRPr kumimoji="0" lang="en-US" smtClean="0"/>
           </a:p>
         </p:txBody>
       </p:sp>
@@ -1943,7 +1871,7 @@
         <p:txBody>
           <a:bodyPr/>
           <a:lstStyle>
-            <a:lvl1pPr marL="393192" indent="-274320">
+            <a:lvl1pPr marL="393065" indent="-274320">
               <a:lnSpc>
                 <a:spcPct val="100000"/>
               </a:lnSpc>
@@ -1988,7 +1916,6 @@
               </a:spcBef>
               <a:defRPr sz="1600"/>
             </a:lvl5pPr>
-            <a:extLst/>
           </a:lstStyle>
           <a:p>
             <a:pPr lvl="0" eaLnBrk="1" latinLnBrk="0" hangingPunct="1"/>
@@ -1996,6 +1923,7 @@
               <a:rPr lang="en-US" smtClean="0"/>
               <a:t>Click to edit Master text styles</a:t>
             </a:r>
+            <a:endParaRPr lang="en-US" smtClean="0"/>
           </a:p>
           <a:p>
             <a:pPr lvl="1" eaLnBrk="1" latinLnBrk="0" hangingPunct="1"/>
@@ -2003,6 +1931,7 @@
               <a:rPr lang="en-US" smtClean="0"/>
               <a:t>Second level</a:t>
             </a:r>
+            <a:endParaRPr lang="en-US" smtClean="0"/>
           </a:p>
           <a:p>
             <a:pPr lvl="2" eaLnBrk="1" latinLnBrk="0" hangingPunct="1"/>
@@ -2010,6 +1939,7 @@
               <a:rPr lang="en-US" smtClean="0"/>
               <a:t>Third level</a:t>
             </a:r>
+            <a:endParaRPr lang="en-US" smtClean="0"/>
           </a:p>
           <a:p>
             <a:pPr lvl="3" eaLnBrk="1" latinLnBrk="0" hangingPunct="1"/>
@@ -2017,6 +1947,7 @@
               <a:rPr lang="en-US" smtClean="0"/>
               <a:t>Fourth level</a:t>
             </a:r>
+            <a:endParaRPr lang="en-US" smtClean="0"/>
           </a:p>
           <a:p>
             <a:pPr lvl="4" eaLnBrk="1" latinLnBrk="0" hangingPunct="1"/>
@@ -2054,7 +1985,7 @@
         <p:txBody>
           <a:bodyPr/>
           <a:lstStyle>
-            <a:lvl1pPr marL="393192" indent="-274320">
+            <a:lvl1pPr marL="393065" indent="-274320">
               <a:lnSpc>
                 <a:spcPct val="100000"/>
               </a:lnSpc>
@@ -2099,7 +2030,6 @@
               </a:spcBef>
               <a:defRPr sz="1600"/>
             </a:lvl5pPr>
-            <a:extLst/>
           </a:lstStyle>
           <a:p>
             <a:pPr lvl="0" eaLnBrk="1" latinLnBrk="0" hangingPunct="1"/>
@@ -2107,6 +2037,7 @@
               <a:rPr lang="en-US" smtClean="0"/>
               <a:t>Click to edit Master text styles</a:t>
             </a:r>
+            <a:endParaRPr lang="en-US" smtClean="0"/>
           </a:p>
           <a:p>
             <a:pPr lvl="1" eaLnBrk="1" latinLnBrk="0" hangingPunct="1"/>
@@ -2114,6 +2045,7 @@
               <a:rPr lang="en-US" smtClean="0"/>
               <a:t>Second level</a:t>
             </a:r>
+            <a:endParaRPr lang="en-US" smtClean="0"/>
           </a:p>
           <a:p>
             <a:pPr lvl="2" eaLnBrk="1" latinLnBrk="0" hangingPunct="1"/>
@@ -2121,6 +2053,7 @@
               <a:rPr lang="en-US" smtClean="0"/>
               <a:t>Third level</a:t>
             </a:r>
+            <a:endParaRPr lang="en-US" smtClean="0"/>
           </a:p>
           <a:p>
             <a:pPr lvl="3" eaLnBrk="1" latinLnBrk="0" hangingPunct="1"/>
@@ -2128,6 +2061,7 @@
               <a:rPr lang="en-US" smtClean="0"/>
               <a:t>Fourth level</a:t>
             </a:r>
+            <a:endParaRPr lang="en-US" smtClean="0"/>
           </a:p>
           <a:p>
             <a:pPr lvl="4" eaLnBrk="1" latinLnBrk="0" hangingPunct="1"/>
@@ -2152,14 +2086,10 @@
         <p:spPr/>
         <p:txBody>
           <a:bodyPr/>
-          <a:lstStyle>
-            <a:extLst/>
-          </a:lstStyle>
+          <a:lstStyle/>
           <a:p>
             <a:fld id="{3E92798F-69E8-4DE6-AD3D-DA2B38E78241}" type="datetimeFigureOut">
               <a:rPr lang="en-US" smtClean="0"/>
-              <a:pPr/>
-              <a:t>4/26/2019</a:t>
             </a:fld>
             <a:endParaRPr lang="en-US"/>
           </a:p>
@@ -2178,9 +2108,7 @@
         <p:spPr/>
         <p:txBody>
           <a:bodyPr/>
-          <a:lstStyle>
-            <a:extLst/>
-          </a:lstStyle>
+          <a:lstStyle/>
           <a:p>
             <a:endParaRPr lang="en-US"/>
           </a:p>
@@ -2199,14 +2127,10 @@
         <p:spPr/>
         <p:txBody>
           <a:bodyPr/>
-          <a:lstStyle>
-            <a:extLst/>
-          </a:lstStyle>
+          <a:lstStyle/>
           <a:p>
             <a:fld id="{E63D35E4-4811-4F46-86C5-2E9DEA0EB7D5}" type="slidenum">
               <a:rPr lang="en-US" smtClean="0"/>
-              <a:pPr/>
-              <a:t>‹#›</a:t>
             </a:fld>
             <a:endParaRPr lang="en-US"/>
           </a:p>
@@ -2255,9 +2179,7 @@
         </p:spPr>
         <p:txBody>
           <a:bodyPr anchor="ctr"/>
-          <a:lstStyle>
-            <a:extLst/>
-          </a:lstStyle>
+          <a:lstStyle/>
           <a:p>
             <a:r>
               <a:rPr kumimoji="0" lang="en-US" smtClean="0"/>
@@ -2280,14 +2202,10 @@
         <p:spPr/>
         <p:txBody>
           <a:bodyPr/>
-          <a:lstStyle>
-            <a:extLst/>
-          </a:lstStyle>
+          <a:lstStyle/>
           <a:p>
             <a:fld id="{3E92798F-69E8-4DE6-AD3D-DA2B38E78241}" type="datetimeFigureOut">
               <a:rPr lang="en-US" smtClean="0"/>
-              <a:pPr/>
-              <a:t>4/26/2019</a:t>
             </a:fld>
             <a:endParaRPr lang="en-US"/>
           </a:p>
@@ -2306,9 +2224,7 @@
         <p:spPr/>
         <p:txBody>
           <a:bodyPr/>
-          <a:lstStyle>
-            <a:extLst/>
-          </a:lstStyle>
+          <a:lstStyle/>
           <a:p>
             <a:endParaRPr lang="en-US"/>
           </a:p>
@@ -2327,14 +2243,10 @@
         <p:spPr/>
         <p:txBody>
           <a:bodyPr/>
-          <a:lstStyle>
-            <a:extLst/>
-          </a:lstStyle>
+          <a:lstStyle/>
           <a:p>
             <a:fld id="{E63D35E4-4811-4F46-86C5-2E9DEA0EB7D5}" type="slidenum">
               <a:rPr lang="en-US" smtClean="0"/>
-              <a:pPr/>
-              <a:t>‹#›</a:t>
             </a:fld>
             <a:endParaRPr lang="en-US"/>
           </a:p>
@@ -2349,7 +2261,7 @@
 </file>
 
 <file path=ppt/slideLayouts/slideLayout7.xml><?xml version="1.0" encoding="utf-8"?>
-<p:sldLayout xmlns:a="http://schemas.openxmlformats.org/drawingml/2006/main" xmlns:r="http://schemas.openxmlformats.org/officeDocument/2006/relationships" xmlns:p="http://schemas.openxmlformats.org/presentationml/2006/main" showMasterSp="0" type="blank" preserve="1">
+<p:sldLayout xmlns:a="http://schemas.openxmlformats.org/drawingml/2006/main" xmlns:r="http://schemas.openxmlformats.org/officeDocument/2006/relationships" xmlns:p="http://schemas.openxmlformats.org/presentationml/2006/main" type="blank" preserve="1" showMasterSp="0">
   <p:cSld name="Blank">
     <p:spTree>
       <p:nvGrpSpPr>
@@ -2404,9 +2316,7 @@
         </p:style>
         <p:txBody>
           <a:bodyPr anchor="ctr"/>
-          <a:lstStyle>
-            <a:extLst/>
-          </a:lstStyle>
+          <a:lstStyle/>
           <a:p>
             <a:pPr algn="ctr" eaLnBrk="1" latinLnBrk="0" hangingPunct="1"/>
             <a:endParaRPr kumimoji="0" lang="en-US"/>
@@ -2426,14 +2336,10 @@
         <p:spPr/>
         <p:txBody>
           <a:bodyPr/>
-          <a:lstStyle>
-            <a:extLst/>
-          </a:lstStyle>
+          <a:lstStyle/>
           <a:p>
             <a:fld id="{3E92798F-69E8-4DE6-AD3D-DA2B38E78241}" type="datetimeFigureOut">
               <a:rPr lang="en-US" smtClean="0"/>
-              <a:pPr/>
-              <a:t>4/26/2019</a:t>
             </a:fld>
             <a:endParaRPr lang="en-US"/>
           </a:p>
@@ -2452,9 +2358,7 @@
         <p:spPr/>
         <p:txBody>
           <a:bodyPr/>
-          <a:lstStyle>
-            <a:extLst/>
-          </a:lstStyle>
+          <a:lstStyle/>
           <a:p>
             <a:endParaRPr lang="en-US"/>
           </a:p>
@@ -2473,14 +2377,10 @@
         <p:spPr/>
         <p:txBody>
           <a:bodyPr/>
-          <a:lstStyle>
-            <a:extLst/>
-          </a:lstStyle>
+          <a:lstStyle/>
           <a:p>
             <a:fld id="{E63D35E4-4811-4F46-86C5-2E9DEA0EB7D5}" type="slidenum">
               <a:rPr lang="en-US" smtClean="0"/>
-              <a:pPr/>
-              <a:t>‹#›</a:t>
             </a:fld>
             <a:endParaRPr lang="en-US"/>
           </a:p>
@@ -2533,9 +2433,7 @@
         </p:style>
         <p:txBody>
           <a:bodyPr anchor="ctr"/>
-          <a:lstStyle>
-            <a:extLst/>
-          </a:lstStyle>
+          <a:lstStyle/>
           <a:p>
             <a:pPr algn="ctr" eaLnBrk="1" latinLnBrk="0" hangingPunct="1"/>
             <a:endParaRPr kumimoji="0" lang="en-US"/>
@@ -2551,7 +2449,7 @@
 </file>
 
 <file path=ppt/slideLayouts/slideLayout8.xml><?xml version="1.0" encoding="utf-8"?>
-<p:sldLayout xmlns:a="http://schemas.openxmlformats.org/drawingml/2006/main" xmlns:r="http://schemas.openxmlformats.org/officeDocument/2006/relationships" xmlns:p="http://schemas.openxmlformats.org/presentationml/2006/main" showMasterSp="0" type="objTx" preserve="1">
+<p:sldLayout xmlns:a="http://schemas.openxmlformats.org/drawingml/2006/main" xmlns:r="http://schemas.openxmlformats.org/officeDocument/2006/relationships" xmlns:p="http://schemas.openxmlformats.org/presentationml/2006/main" type="objTx" preserve="1" showMasterSp="0">
   <p:cSld name="Content with Caption">
     <p:spTree>
       <p:nvGrpSpPr>
@@ -2596,7 +2494,6 @@
               <a:buNone/>
               <a:defRPr sz="2200" b="1" cap="all" baseline="0"/>
             </a:lvl1pPr>
-            <a:extLst/>
           </a:lstStyle>
           <a:p>
             <a:r>
@@ -2652,7 +2549,6 @@
               <a:buNone/>
               <a:defRPr sz="900"/>
             </a:lvl5pPr>
-            <a:extLst/>
           </a:lstStyle>
           <a:p>
             <a:pPr lvl="0" eaLnBrk="1" latinLnBrk="0" hangingPunct="1"/>
@@ -2660,6 +2556,7 @@
               <a:rPr kumimoji="0" lang="en-US" smtClean="0"/>
               <a:t>Click to edit Master text styles</a:t>
             </a:r>
+            <a:endParaRPr kumimoji="0" lang="en-US" smtClean="0"/>
           </a:p>
         </p:txBody>
       </p:sp>
@@ -2697,7 +2594,6 @@
             <a:lvl5pPr>
               <a:defRPr sz="2000"/>
             </a:lvl5pPr>
-            <a:extLst/>
           </a:lstStyle>
           <a:p>
             <a:pPr lvl="0" eaLnBrk="1" latinLnBrk="0" hangingPunct="1"/>
@@ -2705,6 +2601,7 @@
               <a:rPr lang="en-US" smtClean="0"/>
               <a:t>Click to edit Master text styles</a:t>
             </a:r>
+            <a:endParaRPr lang="en-US" smtClean="0"/>
           </a:p>
           <a:p>
             <a:pPr lvl="1" eaLnBrk="1" latinLnBrk="0" hangingPunct="1"/>
@@ -2712,6 +2609,7 @@
               <a:rPr lang="en-US" smtClean="0"/>
               <a:t>Second level</a:t>
             </a:r>
+            <a:endParaRPr lang="en-US" smtClean="0"/>
           </a:p>
           <a:p>
             <a:pPr lvl="2" eaLnBrk="1" latinLnBrk="0" hangingPunct="1"/>
@@ -2719,6 +2617,7 @@
               <a:rPr lang="en-US" smtClean="0"/>
               <a:t>Third level</a:t>
             </a:r>
+            <a:endParaRPr lang="en-US" smtClean="0"/>
           </a:p>
           <a:p>
             <a:pPr lvl="3" eaLnBrk="1" latinLnBrk="0" hangingPunct="1"/>
@@ -2726,6 +2625,7 @@
               <a:rPr lang="en-US" smtClean="0"/>
               <a:t>Fourth level</a:t>
             </a:r>
+            <a:endParaRPr lang="en-US" smtClean="0"/>
           </a:p>
           <a:p>
             <a:pPr lvl="4" eaLnBrk="1" latinLnBrk="0" hangingPunct="1"/>
@@ -2750,14 +2650,10 @@
         <p:spPr/>
         <p:txBody>
           <a:bodyPr/>
-          <a:lstStyle>
-            <a:extLst/>
-          </a:lstStyle>
+          <a:lstStyle/>
           <a:p>
             <a:fld id="{3E92798F-69E8-4DE6-AD3D-DA2B38E78241}" type="datetimeFigureOut">
               <a:rPr lang="en-US" smtClean="0"/>
-              <a:pPr/>
-              <a:t>4/26/2019</a:t>
             </a:fld>
             <a:endParaRPr lang="en-US"/>
           </a:p>
@@ -2776,9 +2672,7 @@
         <p:spPr/>
         <p:txBody>
           <a:bodyPr/>
-          <a:lstStyle>
-            <a:extLst/>
-          </a:lstStyle>
+          <a:lstStyle/>
           <a:p>
             <a:endParaRPr lang="en-US"/>
           </a:p>
@@ -2797,14 +2691,10 @@
         <p:spPr/>
         <p:txBody>
           <a:bodyPr/>
-          <a:lstStyle>
-            <a:extLst/>
-          </a:lstStyle>
+          <a:lstStyle/>
           <a:p>
             <a:fld id="{E63D35E4-4811-4F46-86C5-2E9DEA0EB7D5}" type="slidenum">
               <a:rPr lang="en-US" smtClean="0"/>
-              <a:pPr/>
-              <a:t>‹#›</a:t>
             </a:fld>
             <a:endParaRPr lang="en-US"/>
           </a:p>
@@ -2819,7 +2709,7 @@
 </file>
 
 <file path=ppt/slideLayouts/slideLayout9.xml><?xml version="1.0" encoding="utf-8"?>
-<p:sldLayout xmlns:a="http://schemas.openxmlformats.org/drawingml/2006/main" xmlns:r="http://schemas.openxmlformats.org/officeDocument/2006/relationships" xmlns:p="http://schemas.openxmlformats.org/presentationml/2006/main" showMasterSp="0" type="picTx" preserve="1">
+<p:sldLayout xmlns:a="http://schemas.openxmlformats.org/drawingml/2006/main" xmlns:r="http://schemas.openxmlformats.org/officeDocument/2006/relationships" xmlns:p="http://schemas.openxmlformats.org/presentationml/2006/main" type="picTx" preserve="1" showMasterSp="0">
   <p:cSld name="Picture with Caption">
     <p:spTree>
       <p:nvGrpSpPr>
@@ -2862,7 +2752,6 @@
                 <a:effectLst/>
               </a:defRPr>
             </a:lvl1pPr>
-            <a:extLst/>
           </a:lstStyle>
           <a:p>
             <a:r>
@@ -2886,14 +2775,10 @@
         <p:spPr/>
         <p:txBody>
           <a:bodyPr/>
-          <a:lstStyle>
-            <a:extLst/>
-          </a:lstStyle>
+          <a:lstStyle/>
           <a:p>
             <a:fld id="{3E92798F-69E8-4DE6-AD3D-DA2B38E78241}" type="datetimeFigureOut">
               <a:rPr lang="en-US" smtClean="0"/>
-              <a:pPr/>
-              <a:t>4/26/2019</a:t>
             </a:fld>
             <a:endParaRPr lang="en-US"/>
           </a:p>
@@ -2912,9 +2797,7 @@
         <p:spPr/>
         <p:txBody>
           <a:bodyPr/>
-          <a:lstStyle>
-            <a:extLst/>
-          </a:lstStyle>
+          <a:lstStyle/>
           <a:p>
             <a:endParaRPr lang="en-US"/>
           </a:p>
@@ -2933,14 +2816,10 @@
         <p:spPr/>
         <p:txBody>
           <a:bodyPr/>
-          <a:lstStyle>
-            <a:extLst/>
-          </a:lstStyle>
+          <a:lstStyle/>
           <a:p>
             <a:fld id="{E63D35E4-4811-4F46-86C5-2E9DEA0EB7D5}" type="slidenum">
               <a:rPr lang="en-US" smtClean="0"/>
-              <a:pPr/>
-              <a:t>‹#›</a:t>
             </a:fld>
             <a:endParaRPr lang="en-US"/>
           </a:p>
@@ -2993,11 +2872,9 @@
           <a:bodyPr lIns="91440" tIns="274320" rtlCol="0" anchor="t">
             <a:normAutofit/>
           </a:bodyPr>
-          <a:lstStyle>
-            <a:extLst/>
-          </a:lstStyle>
-          <a:p>
-            <a:pPr marL="0" indent="-283464" algn="l" rtl="0" eaLnBrk="1" latinLnBrk="0" hangingPunct="1">
+          <a:lstStyle/>
+          <a:p>
+            <a:pPr marL="0" indent="-283210" algn="l" rtl="0" eaLnBrk="1" latinLnBrk="0" hangingPunct="1">
               <a:lnSpc>
                 <a:spcPts val="3000"/>
               </a:lnSpc>
@@ -3008,7 +2885,7 @@
                 <a:schemeClr val="accent1"/>
               </a:buClr>
               <a:buSzPct val="80000"/>
-              <a:buFont typeface="Wingdings 2"/>
+              <a:buFont typeface="Wingdings 2" panose="05020102010507070707"/>
               <a:buNone/>
             </a:pPr>
             <a:endParaRPr kumimoji="0" lang="en-US" sz="3200" kern="1200">
@@ -3058,7 +2935,6 @@
               <a:buNone/>
               <a:defRPr sz="3200"/>
             </a:lvl1pPr>
-            <a:extLst/>
           </a:lstStyle>
           <a:p>
             <a:pPr marL="0" algn="l" eaLnBrk="1" latinLnBrk="0" hangingPunct="1"/>
@@ -3123,9 +2999,7 @@
         </p:style>
         <p:txBody>
           <a:bodyPr anchor="ctr"/>
-          <a:lstStyle>
-            <a:extLst/>
-          </a:lstStyle>
+          <a:lstStyle/>
           <a:p>
             <a:pPr algn="ctr" eaLnBrk="1" latinLnBrk="0" hangingPunct="1"/>
             <a:endParaRPr kumimoji="0" lang="en-US"/>
@@ -3183,9 +3057,7 @@
         </p:style>
         <p:txBody>
           <a:bodyPr anchor="ctr"/>
-          <a:lstStyle>
-            <a:extLst/>
-          </a:lstStyle>
+          <a:lstStyle/>
           <a:p>
             <a:pPr algn="ctr" eaLnBrk="1" latinLnBrk="0" hangingPunct="1"/>
             <a:endParaRPr kumimoji="0" lang="en-US" dirty="0"/>
@@ -3237,7 +3109,6 @@
             <a:lvl5pPr>
               <a:defRPr sz="900"/>
             </a:lvl5pPr>
-            <a:extLst/>
           </a:lstStyle>
           <a:p>
             <a:pPr lvl="0" eaLnBrk="1" latinLnBrk="0" hangingPunct="1"/>
@@ -3245,6 +3116,7 @@
               <a:rPr kumimoji="0" lang="en-US" smtClean="0"/>
               <a:t>Click to edit Master text styles</a:t>
             </a:r>
+            <a:endParaRPr kumimoji="0" lang="en-US" smtClean="0"/>
           </a:p>
         </p:txBody>
       </p:sp>
@@ -3330,9 +3202,7 @@
         </p:style>
         <p:txBody>
           <a:bodyPr anchor="ctr"/>
-          <a:lstStyle>
-            <a:extLst/>
-          </a:lstStyle>
+          <a:lstStyle/>
           <a:p>
             <a:pPr algn="ctr" eaLnBrk="1" latinLnBrk="0" hangingPunct="1"/>
             <a:endParaRPr kumimoji="0" lang="en-US"/>
@@ -3390,9 +3260,7 @@
         </p:style>
         <p:txBody>
           <a:bodyPr anchor="ctr"/>
-          <a:lstStyle>
-            <a:extLst/>
-          </a:lstStyle>
+          <a:lstStyle/>
           <a:p>
             <a:pPr algn="ctr" eaLnBrk="1" latinLnBrk="0" hangingPunct="1"/>
             <a:endParaRPr kumimoji="0" lang="en-US"/>
@@ -3482,9 +3350,7 @@
         </p:style>
         <p:txBody>
           <a:bodyPr anchor="ctr"/>
-          <a:lstStyle>
-            <a:extLst/>
-          </a:lstStyle>
+          <a:lstStyle/>
           <a:p>
             <a:pPr algn="ctr" eaLnBrk="1" latinLnBrk="0" hangingPunct="1"/>
             <a:endParaRPr kumimoji="0" lang="en-US"/>
@@ -3530,9 +3396,7 @@
         </p:style>
         <p:txBody>
           <a:bodyPr anchor="ctr"/>
-          <a:lstStyle>
-            <a:extLst/>
-          </a:lstStyle>
+          <a:lstStyle/>
           <a:p>
             <a:pPr algn="ctr" eaLnBrk="1" latinLnBrk="0" hangingPunct="1"/>
             <a:endParaRPr kumimoji="0" lang="en-US"/>
@@ -3562,9 +3426,7 @@
           <a:bodyPr anchor="ctr">
             <a:normAutofit/>
           </a:bodyPr>
-          <a:lstStyle>
-            <a:extLst/>
-          </a:lstStyle>
+          <a:lstStyle/>
           <a:p>
             <a:r>
               <a:rPr kumimoji="0" lang="en-US" smtClean="0"/>
@@ -3597,15 +3459,14 @@
           <a:bodyPr>
             <a:normAutofit/>
           </a:bodyPr>
-          <a:lstStyle>
-            <a:extLst/>
-          </a:lstStyle>
+          <a:lstStyle/>
           <a:p>
             <a:pPr lvl="0" eaLnBrk="1" latinLnBrk="0" hangingPunct="1"/>
             <a:r>
               <a:rPr kumimoji="0" lang="en-US" smtClean="0"/>
               <a:t>Click to edit Master text styles</a:t>
             </a:r>
+            <a:endParaRPr kumimoji="0" lang="en-US" smtClean="0"/>
           </a:p>
           <a:p>
             <a:pPr lvl="1" eaLnBrk="1" latinLnBrk="0" hangingPunct="1"/>
@@ -3613,6 +3474,7 @@
               <a:rPr kumimoji="0" lang="en-US" smtClean="0"/>
               <a:t>Second level</a:t>
             </a:r>
+            <a:endParaRPr kumimoji="0" lang="en-US" smtClean="0"/>
           </a:p>
           <a:p>
             <a:pPr lvl="2" eaLnBrk="1" latinLnBrk="0" hangingPunct="1"/>
@@ -3620,6 +3482,7 @@
               <a:rPr kumimoji="0" lang="en-US" smtClean="0"/>
               <a:t>Third level</a:t>
             </a:r>
+            <a:endParaRPr kumimoji="0" lang="en-US" smtClean="0"/>
           </a:p>
           <a:p>
             <a:pPr lvl="3" eaLnBrk="1" latinLnBrk="0" hangingPunct="1"/>
@@ -3627,6 +3490,7 @@
               <a:rPr kumimoji="0" lang="en-US" smtClean="0"/>
               <a:t>Fourth level</a:t>
             </a:r>
+            <a:endParaRPr kumimoji="0" lang="en-US" smtClean="0"/>
           </a:p>
           <a:p>
             <a:pPr lvl="4" eaLnBrk="1" latinLnBrk="0" hangingPunct="1"/>
@@ -3670,13 +3534,10 @@
                 </a:solidFill>
               </a:defRPr>
             </a:lvl1pPr>
-            <a:extLst/>
           </a:lstStyle>
           <a:p>
             <a:fld id="{3E92798F-69E8-4DE6-AD3D-DA2B38E78241}" type="datetimeFigureOut">
               <a:rPr lang="en-US" smtClean="0"/>
-              <a:pPr/>
-              <a:t>4/26/2019</a:t>
             </a:fld>
             <a:endParaRPr lang="en-US"/>
           </a:p>
@@ -3715,7 +3576,6 @@
                 <a:effectLst/>
               </a:defRPr>
             </a:lvl1pPr>
-            <a:extLst/>
           </a:lstStyle>
           <a:p>
             <a:endParaRPr lang="en-US"/>
@@ -3755,13 +3615,10 @@
                 <a:effectLst/>
               </a:defRPr>
             </a:lvl1pPr>
-            <a:extLst/>
           </a:lstStyle>
           <a:p>
             <a:fld id="{E63D35E4-4811-4F46-86C5-2E9DEA0EB7D5}" type="slidenum">
               <a:rPr lang="en-US" smtClean="0"/>
-              <a:pPr/>
-              <a:t>‹#›</a:t>
             </a:fld>
             <a:endParaRPr lang="en-US"/>
           </a:p>
@@ -3814,9 +3671,7 @@
         </p:style>
         <p:txBody>
           <a:bodyPr anchor="ctr"/>
-          <a:lstStyle>
-            <a:extLst/>
-          </a:lstStyle>
+          <a:lstStyle/>
           <a:p>
             <a:pPr algn="ctr" eaLnBrk="1" latinLnBrk="0" hangingPunct="1"/>
             <a:endParaRPr kumimoji="0" lang="en-US"/>
@@ -3827,17 +3682,17 @@
   </p:cSld>
   <p:clrMap bg1="lt1" tx1="dk1" bg2="lt2" tx2="dk2" accent1="accent1" accent2="accent2" accent3="accent3" accent4="accent4" accent5="accent5" accent6="accent6" hlink="hlink" folHlink="folHlink"/>
   <p:sldLayoutIdLst>
-    <p:sldLayoutId id="2147483685" r:id="rId1"/>
-    <p:sldLayoutId id="2147483686" r:id="rId2"/>
-    <p:sldLayoutId id="2147483687" r:id="rId3"/>
-    <p:sldLayoutId id="2147483688" r:id="rId4"/>
-    <p:sldLayoutId id="2147483689" r:id="rId5"/>
-    <p:sldLayoutId id="2147483690" r:id="rId6"/>
-    <p:sldLayoutId id="2147483691" r:id="rId7"/>
-    <p:sldLayoutId id="2147483692" r:id="rId8"/>
-    <p:sldLayoutId id="2147483693" r:id="rId9"/>
-    <p:sldLayoutId id="2147483694" r:id="rId10"/>
-    <p:sldLayoutId id="2147483695" r:id="rId11"/>
+    <p:sldLayoutId id="2147483649" r:id="rId1"/>
+    <p:sldLayoutId id="2147483650" r:id="rId2"/>
+    <p:sldLayoutId id="2147483651" r:id="rId3"/>
+    <p:sldLayoutId id="2147483652" r:id="rId4"/>
+    <p:sldLayoutId id="2147483653" r:id="rId5"/>
+    <p:sldLayoutId id="2147483654" r:id="rId6"/>
+    <p:sldLayoutId id="2147483655" r:id="rId7"/>
+    <p:sldLayoutId id="2147483656" r:id="rId8"/>
+    <p:sldLayoutId id="2147483657" r:id="rId9"/>
+    <p:sldLayoutId id="2147483658" r:id="rId10"/>
+    <p:sldLayoutId id="2147483659" r:id="rId11"/>
   </p:sldLayoutIdLst>
   <p:txStyles>
     <p:titleStyle>
@@ -3864,10 +3719,9 @@
           <a:cs typeface="+mj-cs"/>
         </a:defRPr>
       </a:lvl1pPr>
-      <a:extLst/>
     </p:titleStyle>
     <p:bodyStyle>
-      <a:lvl1pPr marL="365760" indent="-283464" algn="l" rtl="0" eaLnBrk="1" latinLnBrk="0" hangingPunct="1">
+      <a:lvl1pPr marL="365760" indent="-283210" algn="l" rtl="0" eaLnBrk="1" latinLnBrk="0" hangingPunct="1">
         <a:lnSpc>
           <a:spcPct val="100000"/>
         </a:lnSpc>
@@ -3878,7 +3732,7 @@
           <a:schemeClr val="accent1"/>
         </a:buClr>
         <a:buSzPct val="80000"/>
-        <a:buFont typeface="Wingdings 2"/>
+        <a:buFont typeface="Wingdings 2" panose="05020102010507070707"/>
         <a:buChar char=""/>
         <a:defRPr kumimoji="0" sz="3200" kern="1200">
           <a:solidFill>
@@ -3889,7 +3743,7 @@
           <a:cs typeface="+mn-cs"/>
         </a:defRPr>
       </a:lvl1pPr>
-      <a:lvl2pPr marL="640080" indent="-237744" algn="l" rtl="0" eaLnBrk="1" latinLnBrk="0" hangingPunct="1">
+      <a:lvl2pPr marL="640080" indent="-237490" algn="l" rtl="0" eaLnBrk="1" latinLnBrk="0" hangingPunct="1">
         <a:lnSpc>
           <a:spcPct val="100000"/>
         </a:lnSpc>
@@ -3899,7 +3753,7 @@
         <a:buClr>
           <a:schemeClr val="accent1"/>
         </a:buClr>
-        <a:buFont typeface="Verdana"/>
+        <a:buFont typeface="Verdana" panose="020B0604030504040204"/>
         <a:buChar char="◦"/>
         <a:defRPr kumimoji="0" sz="2800" kern="1200">
           <a:solidFill>
@@ -3910,7 +3764,7 @@
           <a:cs typeface="+mn-cs"/>
         </a:defRPr>
       </a:lvl2pPr>
-      <a:lvl3pPr marL="886968" indent="-228600" algn="l" rtl="0" eaLnBrk="1" latinLnBrk="0" hangingPunct="1">
+      <a:lvl3pPr marL="887095" indent="-228600" algn="l" rtl="0" eaLnBrk="1" latinLnBrk="0" hangingPunct="1">
         <a:lnSpc>
           <a:spcPct val="100000"/>
         </a:lnSpc>
@@ -3920,7 +3774,7 @@
         <a:buClr>
           <a:schemeClr val="accent2"/>
         </a:buClr>
-        <a:buFont typeface="Wingdings 2"/>
+        <a:buFont typeface="Wingdings 2" panose="05020102010507070707"/>
         <a:buChar char=""/>
         <a:defRPr kumimoji="0" sz="2400" kern="1200">
           <a:solidFill>
@@ -3931,7 +3785,7 @@
           <a:cs typeface="+mn-cs"/>
         </a:defRPr>
       </a:lvl3pPr>
-      <a:lvl4pPr marL="1097280" indent="-173736" algn="l" rtl="0" eaLnBrk="1" latinLnBrk="0" hangingPunct="1">
+      <a:lvl4pPr marL="1097280" indent="-173990" algn="l" rtl="0" eaLnBrk="1" latinLnBrk="0" hangingPunct="1">
         <a:lnSpc>
           <a:spcPct val="100000"/>
         </a:lnSpc>
@@ -3941,7 +3795,7 @@
         <a:buClr>
           <a:schemeClr val="accent3"/>
         </a:buClr>
-        <a:buFont typeface="Wingdings 2"/>
+        <a:buFont typeface="Wingdings 2" panose="05020102010507070707"/>
         <a:buChar char=""/>
         <a:defRPr kumimoji="0" sz="2000" kern="1200">
           <a:solidFill>
@@ -3952,7 +3806,7 @@
           <a:cs typeface="+mn-cs"/>
         </a:defRPr>
       </a:lvl4pPr>
-      <a:lvl5pPr marL="1298448" indent="-182880" algn="l" rtl="0" eaLnBrk="1" latinLnBrk="0" hangingPunct="1">
+      <a:lvl5pPr marL="1298575" indent="-182880" algn="l" rtl="0" eaLnBrk="1" latinLnBrk="0" hangingPunct="1">
         <a:lnSpc>
           <a:spcPct val="100000"/>
         </a:lnSpc>
@@ -3962,7 +3816,7 @@
         <a:buClr>
           <a:schemeClr val="accent4"/>
         </a:buClr>
-        <a:buFont typeface="Wingdings 2"/>
+        <a:buFont typeface="Wingdings 2" panose="05020102010507070707"/>
         <a:buChar char=""/>
         <a:defRPr kumimoji="0" sz="2000" kern="1200">
           <a:solidFill>
@@ -3983,7 +3837,7 @@
         <a:buClr>
           <a:schemeClr val="accent5"/>
         </a:buClr>
-        <a:buFont typeface="Wingdings 2"/>
+        <a:buFont typeface="Wingdings 2" panose="05020102010507070707"/>
         <a:buChar char=""/>
         <a:defRPr kumimoji="0" sz="2000" kern="1200">
           <a:solidFill>
@@ -3994,7 +3848,7 @@
           <a:cs typeface="+mn-cs"/>
         </a:defRPr>
       </a:lvl6pPr>
-      <a:lvl7pPr marL="1719072" indent="-182880" algn="l" rtl="0" eaLnBrk="1" latinLnBrk="0" hangingPunct="1">
+      <a:lvl7pPr marL="1718945" indent="-182880" algn="l" rtl="0" eaLnBrk="1" latinLnBrk="0" hangingPunct="1">
         <a:lnSpc>
           <a:spcPct val="100000"/>
         </a:lnSpc>
@@ -4004,7 +3858,7 @@
         <a:buClr>
           <a:schemeClr val="accent6"/>
         </a:buClr>
-        <a:buFont typeface="Wingdings 2"/>
+        <a:buFont typeface="Wingdings 2" panose="05020102010507070707"/>
         <a:buChar char=""/>
         <a:defRPr kumimoji="0" sz="2000" kern="1200">
           <a:solidFill>
@@ -4025,7 +3879,7 @@
         <a:buClr>
           <a:schemeClr val="accent6"/>
         </a:buClr>
-        <a:buFont typeface="Wingdings 2"/>
+        <a:buFont typeface="Wingdings 2" panose="05020102010507070707"/>
         <a:buChar char=""/>
         <a:defRPr kumimoji="0" sz="2000" kern="1200">
           <a:solidFill>
@@ -4036,7 +3890,7 @@
           <a:cs typeface="+mn-cs"/>
         </a:defRPr>
       </a:lvl8pPr>
-      <a:lvl9pPr marL="2130552" indent="-182880" algn="l" rtl="0" eaLnBrk="1" latinLnBrk="0" hangingPunct="1">
+      <a:lvl9pPr marL="2130425" indent="-182880" algn="l" rtl="0" eaLnBrk="1" latinLnBrk="0" hangingPunct="1">
         <a:lnSpc>
           <a:spcPct val="100000"/>
         </a:lnSpc>
@@ -4046,7 +3900,7 @@
         <a:buClr>
           <a:schemeClr val="accent6"/>
         </a:buClr>
-        <a:buFont typeface="Wingdings 2"/>
+        <a:buFont typeface="Wingdings 2" panose="05020102010507070707"/>
         <a:buChar char=""/>
         <a:defRPr kumimoji="0" sz="2000" kern="1200">
           <a:solidFill>
@@ -4057,7 +3911,6 @@
           <a:cs typeface="+mn-cs"/>
         </a:defRPr>
       </a:lvl9pPr>
-      <a:extLst/>
     </p:bodyStyle>
     <p:otherStyle>
       <a:lvl1pPr marL="0" algn="l" rtl="0" eaLnBrk="1" latinLnBrk="0" hangingPunct="1">
@@ -4150,7 +4003,6 @@
           <a:cs typeface="+mn-cs"/>
         </a:defRPr>
       </a:lvl9pPr>
-      <a:extLst/>
     </p:otherStyle>
   </p:txStyles>
 </p:sldMaster>
@@ -4361,13 +4213,14 @@
           <a:lstStyle/>
           <a:p>
             <a:pPr>
-              <a:buFont typeface="Wingdings" pitchFamily="2" charset="2"/>
+              <a:buFont typeface="Wingdings" panose="05000000000000000000" pitchFamily="2" charset="2"/>
               <a:buChar char="§"/>
             </a:pPr>
             <a:r>
               <a:rPr lang="en-US" sz="2000" dirty="0" smtClean="0"/>
               <a:t>  As the number of people that have cell phones is rapidly growing, so is the number of people that are becoming addicted to their phones. When these phones were invented, they were intended to make life easier. Today there are some people that do not have a life because they do not know when to turn them off.</a:t>
             </a:r>
+            <a:endParaRPr lang="en-US" sz="2000" dirty="0" smtClean="0"/>
           </a:p>
           <a:p>
             <a:pPr>
@@ -4375,16 +4228,9 @@
             </a:pPr>
             <a:r>
               <a:rPr lang="en-US" sz="2000" dirty="0" smtClean="0"/>
-              <a:t>     </a:t>
-            </a:r>
-            <a:r>
-              <a:rPr lang="en-US" sz="2000" dirty="0" smtClean="0"/>
-              <a:t>As </a:t>
-            </a:r>
-            <a:r>
-              <a:rPr lang="en-US" sz="2000" dirty="0" smtClean="0"/>
-              <a:t>it is merely a waste of time, it is important for a user to know how much he/she is addicted to mobile by checking his daily usage of every application on  mobile.</a:t>
-            </a:r>
+              <a:t>     As it is merely a waste of time, it is important for a user to know how much he/she is addicted to mobile by checking his daily usage of every application on  mobile.</a:t>
+            </a:r>
+            <a:endParaRPr lang="en-US" sz="2000" dirty="0" smtClean="0"/>
           </a:p>
           <a:p>
             <a:pPr>
@@ -4464,35 +4310,19 @@
             </a:pPr>
             <a:r>
               <a:rPr lang="en-US" sz="2400" dirty="0" smtClean="0"/>
-              <a:t>Users are affected in several ways because of </a:t>
-            </a:r>
-            <a:r>
-              <a:rPr lang="en-US" sz="2400" dirty="0" smtClean="0"/>
-              <a:t>their addiction </a:t>
-            </a:r>
-            <a:r>
-              <a:rPr lang="en-US" sz="2400" dirty="0" smtClean="0"/>
-              <a:t>to </a:t>
-            </a:r>
-            <a:r>
-              <a:rPr lang="en-US" sz="2400" dirty="0" smtClean="0"/>
-              <a:t>mobile:</a:t>
+              <a:t>Users are affected in several ways because of their addiction to mobile: Digital eye </a:t>
+            </a:r>
+            <a:r>
+              <a:rPr lang="en-US" sz="2400" dirty="0" err="1" smtClean="0"/>
+              <a:t>strain,Car</a:t>
             </a:r>
             <a:r>
               <a:rPr lang="en-US" sz="2400" dirty="0" smtClean="0"/>
               <a:t> </a:t>
             </a:r>
             <a:r>
-              <a:rPr lang="en-US" sz="2400" dirty="0" smtClean="0"/>
-              <a:t>Digital </a:t>
-            </a:r>
-            <a:r>
-              <a:rPr lang="en-US" sz="2400" dirty="0" smtClean="0"/>
-              <a:t>eye </a:t>
-            </a:r>
-            <a:r>
               <a:rPr lang="en-US" sz="2400" dirty="0" err="1" smtClean="0"/>
-              <a:t>strain,Car</a:t>
+              <a:t>accidents,Sleep</a:t>
             </a:r>
             <a:r>
               <a:rPr lang="en-US" sz="2400" dirty="0" smtClean="0"/>
@@ -4500,28 +4330,13 @@
             </a:r>
             <a:r>
               <a:rPr lang="en-US" sz="2400" dirty="0" err="1" smtClean="0"/>
-              <a:t>accidents,Sleep</a:t>
+              <a:t>disturbances,Depression</a:t>
             </a:r>
             <a:r>
               <a:rPr lang="en-US" sz="2400" dirty="0" smtClean="0"/>
-              <a:t> </a:t>
-            </a:r>
-            <a:r>
-              <a:rPr lang="en-US" sz="2400" dirty="0" err="1" smtClean="0"/>
-              <a:t>disturbances,Depression</a:t>
-            </a:r>
-            <a:r>
-              <a:rPr lang="en-US" sz="2400" dirty="0" smtClean="0"/>
-              <a:t> </a:t>
-            </a:r>
-            <a:r>
-              <a:rPr lang="en-US" sz="2400" dirty="0" smtClean="0"/>
-              <a:t>and </a:t>
-            </a:r>
-            <a:r>
-              <a:rPr lang="en-US" sz="2400" dirty="0" smtClean="0"/>
-              <a:t>Anxiety.</a:t>
-            </a:r>
+              <a:t> and Anxiety.</a:t>
+            </a:r>
+            <a:endParaRPr lang="en-US" sz="2400" dirty="0" smtClean="0"/>
           </a:p>
           <a:p>
             <a:pPr>
@@ -4661,11 +4476,7 @@
             <a:pPr lvl="0"/>
             <a:r>
               <a:rPr lang="en-IN" sz="2400" dirty="0" smtClean="0"/>
-              <a:t>Timer getting </a:t>
-            </a:r>
-            <a:r>
-              <a:rPr lang="en-IN" sz="2400" dirty="0" smtClean="0"/>
-              <a:t>stopped</a:t>
+              <a:t>Timer getting stopped</a:t>
             </a:r>
             <a:endParaRPr lang="en-US" sz="2400" dirty="0" smtClean="0"/>
           </a:p>
@@ -4743,41 +4554,54 @@
           <a:lstStyle/>
           <a:p>
             <a:pPr>
-              <a:buFont typeface="Wingdings" pitchFamily="2" charset="2"/>
+              <a:buFont typeface="Wingdings" panose="05000000000000000000" pitchFamily="2" charset="2"/>
               <a:buChar char="§"/>
             </a:pPr>
             <a:r>
               <a:rPr lang="en-US" sz="2400" dirty="0" smtClean="0"/>
               <a:t>The app takes permission to access the device using manifest to track the history of app usage.</a:t>
             </a:r>
+            <a:endParaRPr lang="en-US" sz="2400" dirty="0" smtClean="0"/>
           </a:p>
           <a:p>
             <a:pPr>
-              <a:buFont typeface="Wingdings" pitchFamily="2" charset="2"/>
+              <a:buFont typeface="Wingdings" panose="05000000000000000000" pitchFamily="2" charset="2"/>
               <a:buChar char="§"/>
             </a:pPr>
             <a:endParaRPr lang="en-US" sz="2400" dirty="0" smtClean="0"/>
           </a:p>
           <a:p>
             <a:pPr>
-              <a:buFont typeface="Wingdings" pitchFamily="2" charset="2"/>
+              <a:buFont typeface="Wingdings" panose="05000000000000000000" pitchFamily="2" charset="2"/>
               <a:buChar char="§"/>
             </a:pPr>
             <a:r>
-              <a:rPr lang="en-US" sz="2400" dirty="0" smtClean="0"/>
-              <a:t>It maintains a database to store the history of app usage.</a:t>
-            </a:r>
+              <a:rPr lang="en-IN" altLang="en-US" sz="2400" dirty="0" smtClean="0"/>
+              <a:t>Using UsageStatsManager retrive the information of usage of each application and presenting in required format.</a:t>
+            </a:r>
+            <a:endParaRPr lang="en-IN" altLang="en-US" sz="2400" dirty="0" smtClean="0"/>
           </a:p>
           <a:p>
             <a:pPr>
-              <a:buFont typeface="Wingdings" pitchFamily="2" charset="2"/>
+              <a:buFont typeface="Wingdings" panose="05000000000000000000" pitchFamily="2" charset="2"/>
+              <a:buChar char="§"/>
+            </a:pPr>
+            <a:r>
+              <a:rPr lang="en-IN" altLang="en-US" sz="2400" dirty="0" smtClean="0"/>
+              <a:t>ArrayAdapter is used to display each application details in a list </a:t>
+            </a:r>
+            <a:endParaRPr lang="en-US" sz="2400" dirty="0" smtClean="0"/>
+          </a:p>
+          <a:p>
+            <a:pPr>
+              <a:buFont typeface="Wingdings" panose="05000000000000000000" pitchFamily="2" charset="2"/>
               <a:buChar char="§"/>
             </a:pPr>
             <a:endParaRPr lang="en-US" sz="2400" dirty="0" smtClean="0"/>
           </a:p>
           <a:p>
             <a:pPr>
-              <a:buFont typeface="Wingdings" pitchFamily="2" charset="2"/>
+              <a:buFont typeface="Wingdings" panose="05000000000000000000" pitchFamily="2" charset="2"/>
               <a:buChar char="§"/>
             </a:pPr>
             <a:endParaRPr lang="en-US" sz="2400" dirty="0"/>
@@ -4875,20 +4699,9 @@
             </a:r>
             <a:r>
               <a:rPr lang="en-IN" sz="2400" dirty="0" smtClean="0"/>
-              <a:t> will notified that the timer is stopped and the app gets </a:t>
-            </a:r>
-            <a:r>
-              <a:rPr lang="en-IN" sz="2400" dirty="0" smtClean="0"/>
-              <a:t>This </a:t>
-            </a:r>
-            <a:r>
-              <a:rPr lang="en-IN" sz="2400" dirty="0" smtClean="0"/>
-              <a:t>is how the app works</a:t>
-            </a:r>
-            <a:r>
-              <a:rPr lang="en-IN" sz="2400" dirty="0" smtClean="0"/>
-              <a:t>.</a:t>
-            </a:r>
+              <a:t> will notified that the timer is stopped and the app gets This is how the app works.</a:t>
+            </a:r>
+            <a:endParaRPr lang="en-IN" sz="2400" dirty="0" smtClean="0"/>
           </a:p>
           <a:p>
             <a:endParaRPr lang="en-US" sz="2400" dirty="0" smtClean="0"/>
@@ -4969,20 +4782,9 @@
           <a:p>
             <a:r>
               <a:rPr lang="en-IN" sz="2400" dirty="0" smtClean="0"/>
-              <a:t>We plan to make more implementations to our application in the future. We plan to improve the functionalities of existing </a:t>
-            </a:r>
-            <a:r>
-              <a:rPr lang="en-IN" sz="2400" dirty="0" smtClean="0"/>
-              <a:t>app and add </a:t>
-            </a:r>
-            <a:r>
-              <a:rPr lang="en-IN" sz="2400" dirty="0" smtClean="0"/>
-              <a:t>many features. Some of the features which may see the light in the future are</a:t>
-            </a:r>
-            <a:r>
-              <a:rPr lang="en-IN" sz="2400" dirty="0" smtClean="0"/>
-              <a:t>:</a:t>
-            </a:r>
+              <a:t>We plan to make more implementations to our application in the future. We plan to improve the functionalities of existing app and add many features. Some of the features which may see the light in the future are:</a:t>
+            </a:r>
+            <a:endParaRPr lang="en-IN" sz="2400" dirty="0" smtClean="0"/>
           </a:p>
           <a:p>
             <a:endParaRPr lang="en-US" sz="2400" dirty="0" smtClean="0"/>
@@ -5403,7 +5205,10 @@
       </a:bgFillStyleLst>
     </a:fmtScheme>
   </a:themeElements>
-  <a:objectDefaults/>
-  <a:extraClrSchemeLst/>
+  <a:extLst>
+    <a:ext uri="{05A4C25C-085E-4340-85A3-A5531E510DB2}">
+      <thm15:themeFamily xmlns:thm15="http://schemas.microsoft.com/office/thememl/2012/main" name="Office Theme" id="{62F939B6-93AF-4DB8-9C6B-D6C7DFDC589F}" vid="{4A3C46E8-61CC-4603-A589-7422A47A8E4A}"/>
+    </a:ext>
+  </a:extLst>
 </a:theme>
 </file>